--- a/Regular Expressions.pptx
+++ b/Regular Expressions.pptx
@@ -5,7 +5,7 @@
     <p:sldMasterId id="2147483764" r:id="rId1"/>
   </p:sldMasterIdLst>
   <p:notesMasterIdLst>
-    <p:notesMasterId r:id="rId7"/>
+    <p:notesMasterId r:id="rId8"/>
   </p:notesMasterIdLst>
   <p:sldIdLst>
     <p:sldId id="256" r:id="rId2"/>
@@ -13,6 +13,7 @@
     <p:sldId id="259" r:id="rId4"/>
     <p:sldId id="260" r:id="rId5"/>
     <p:sldId id="261" r:id="rId6"/>
+    <p:sldId id="262" r:id="rId7"/>
   </p:sldIdLst>
   <p:sldSz cx="12192000" cy="6858000"/>
   <p:notesSz cx="6858000" cy="9144000"/>
@@ -111,6 +112,11 @@
       </a:defRPr>
     </a:lvl9pPr>
   </p:defaultTextStyle>
+  <p:extLst>
+    <p:ext uri="{EFAFB233-063F-42B5-8137-9DF3F51BA10A}">
+      <p15:sldGuideLst xmlns:p15="http://schemas.microsoft.com/office/powerpoint/2012/main"/>
+    </p:ext>
+  </p:extLst>
 </p:presentation>
 </file>
 
@@ -196,7 +202,7 @@
           <a:p>
             <a:fld id="{FFBE8961-E478-4D02-80EB-C702E8119F35}" type="datetimeFigureOut">
               <a:rPr lang="en-IN" smtClean="0"/>
-              <a:t>23-09-2018</a:t>
+              <a:t>26-09-2018</a:t>
             </a:fld>
             <a:endParaRPr lang="en-IN"/>
           </a:p>
@@ -1270,7 +1276,7 @@
           <a:p>
             <a:fld id="{9E6B641A-8A01-4775-AC7E-1E6A80E0A49B}" type="datetimeFigureOut">
               <a:rPr lang="en-IN" smtClean="0"/>
-              <a:t>23-09-2018</a:t>
+              <a:t>26-09-2018</a:t>
             </a:fld>
             <a:endParaRPr lang="en-IN"/>
           </a:p>
@@ -1521,7 +1527,7 @@
           <a:p>
             <a:fld id="{9E6B641A-8A01-4775-AC7E-1E6A80E0A49B}" type="datetimeFigureOut">
               <a:rPr lang="en-IN" smtClean="0"/>
-              <a:t>23-09-2018</a:t>
+              <a:t>26-09-2018</a:t>
             </a:fld>
             <a:endParaRPr lang="en-IN"/>
           </a:p>
@@ -1835,7 +1841,7 @@
           <a:p>
             <a:fld id="{9E6B641A-8A01-4775-AC7E-1E6A80E0A49B}" type="datetimeFigureOut">
               <a:rPr lang="en-IN" smtClean="0"/>
-              <a:t>23-09-2018</a:t>
+              <a:t>26-09-2018</a:t>
             </a:fld>
             <a:endParaRPr lang="en-IN"/>
           </a:p>
@@ -2176,7 +2182,7 @@
           <a:p>
             <a:fld id="{9E6B641A-8A01-4775-AC7E-1E6A80E0A49B}" type="datetimeFigureOut">
               <a:rPr lang="en-IN" smtClean="0"/>
-              <a:t>23-09-2018</a:t>
+              <a:t>26-09-2018</a:t>
             </a:fld>
             <a:endParaRPr lang="en-IN"/>
           </a:p>
@@ -2490,7 +2496,7 @@
           <a:p>
             <a:fld id="{9E6B641A-8A01-4775-AC7E-1E6A80E0A49B}" type="datetimeFigureOut">
               <a:rPr lang="en-IN" smtClean="0"/>
-              <a:t>23-09-2018</a:t>
+              <a:t>26-09-2018</a:t>
             </a:fld>
             <a:endParaRPr lang="en-IN"/>
           </a:p>
@@ -2883,7 +2889,7 @@
           <a:p>
             <a:fld id="{9E6B641A-8A01-4775-AC7E-1E6A80E0A49B}" type="datetimeFigureOut">
               <a:rPr lang="en-IN" smtClean="0"/>
-              <a:t>23-09-2018</a:t>
+              <a:t>26-09-2018</a:t>
             </a:fld>
             <a:endParaRPr lang="en-IN"/>
           </a:p>
@@ -3053,7 +3059,7 @@
           <a:p>
             <a:fld id="{9E6B641A-8A01-4775-AC7E-1E6A80E0A49B}" type="datetimeFigureOut">
               <a:rPr lang="en-IN" smtClean="0"/>
-              <a:t>23-09-2018</a:t>
+              <a:t>26-09-2018</a:t>
             </a:fld>
             <a:endParaRPr lang="en-IN"/>
           </a:p>
@@ -3233,7 +3239,7 @@
           <a:p>
             <a:fld id="{9E6B641A-8A01-4775-AC7E-1E6A80E0A49B}" type="datetimeFigureOut">
               <a:rPr lang="en-IN" smtClean="0"/>
-              <a:t>23-09-2018</a:t>
+              <a:t>26-09-2018</a:t>
             </a:fld>
             <a:endParaRPr lang="en-IN"/>
           </a:p>
@@ -3409,7 +3415,7 @@
           <a:p>
             <a:fld id="{9E6B641A-8A01-4775-AC7E-1E6A80E0A49B}" type="datetimeFigureOut">
               <a:rPr lang="en-IN" smtClean="0"/>
-              <a:t>23-09-2018</a:t>
+              <a:t>26-09-2018</a:t>
             </a:fld>
             <a:endParaRPr lang="en-IN"/>
           </a:p>
@@ -3656,7 +3662,7 @@
           <a:p>
             <a:fld id="{9E6B641A-8A01-4775-AC7E-1E6A80E0A49B}" type="datetimeFigureOut">
               <a:rPr lang="en-IN" smtClean="0"/>
-              <a:t>23-09-2018</a:t>
+              <a:t>26-09-2018</a:t>
             </a:fld>
             <a:endParaRPr lang="en-IN"/>
           </a:p>
@@ -3888,7 +3894,7 @@
           <a:p>
             <a:fld id="{9E6B641A-8A01-4775-AC7E-1E6A80E0A49B}" type="datetimeFigureOut">
               <a:rPr lang="en-IN" smtClean="0"/>
-              <a:t>23-09-2018</a:t>
+              <a:t>26-09-2018</a:t>
             </a:fld>
             <a:endParaRPr lang="en-IN"/>
           </a:p>
@@ -4262,7 +4268,7 @@
           <a:p>
             <a:fld id="{9E6B641A-8A01-4775-AC7E-1E6A80E0A49B}" type="datetimeFigureOut">
               <a:rPr lang="en-IN" smtClean="0"/>
-              <a:t>23-09-2018</a:t>
+              <a:t>26-09-2018</a:t>
             </a:fld>
             <a:endParaRPr lang="en-IN"/>
           </a:p>
@@ -4385,7 +4391,7 @@
           <a:p>
             <a:fld id="{9E6B641A-8A01-4775-AC7E-1E6A80E0A49B}" type="datetimeFigureOut">
               <a:rPr lang="en-IN" smtClean="0"/>
-              <a:t>23-09-2018</a:t>
+              <a:t>26-09-2018</a:t>
             </a:fld>
             <a:endParaRPr lang="en-IN"/>
           </a:p>
@@ -4480,7 +4486,7 @@
           <a:p>
             <a:fld id="{9E6B641A-8A01-4775-AC7E-1E6A80E0A49B}" type="datetimeFigureOut">
               <a:rPr lang="en-IN" smtClean="0"/>
-              <a:t>23-09-2018</a:t>
+              <a:t>26-09-2018</a:t>
             </a:fld>
             <a:endParaRPr lang="en-IN"/>
           </a:p>
@@ -4735,7 +4741,7 @@
           <a:p>
             <a:fld id="{9E6B641A-8A01-4775-AC7E-1E6A80E0A49B}" type="datetimeFigureOut">
               <a:rPr lang="en-IN" smtClean="0"/>
-              <a:t>23-09-2018</a:t>
+              <a:t>26-09-2018</a:t>
             </a:fld>
             <a:endParaRPr lang="en-IN"/>
           </a:p>
@@ -4998,7 +5004,7 @@
           <a:p>
             <a:fld id="{9E6B641A-8A01-4775-AC7E-1E6A80E0A49B}" type="datetimeFigureOut">
               <a:rPr lang="en-IN" smtClean="0"/>
-              <a:t>23-09-2018</a:t>
+              <a:t>26-09-2018</a:t>
             </a:fld>
             <a:endParaRPr lang="en-IN"/>
           </a:p>
@@ -5741,7 +5747,7 @@
           <a:p>
             <a:fld id="{9E6B641A-8A01-4775-AC7E-1E6A80E0A49B}" type="datetimeFigureOut">
               <a:rPr lang="en-IN" smtClean="0"/>
-              <a:t>23-09-2018</a:t>
+              <a:t>26-09-2018</a:t>
             </a:fld>
             <a:endParaRPr lang="en-IN"/>
           </a:p>
@@ -6315,7 +6321,15 @@
           <a:p>
             <a:r>
               <a:rPr lang="en-IN" dirty="0" smtClean="0"/>
-              <a:t>S&amp;P Global Market  Intelligence</a:t>
+              <a:t>S&amp;P Global </a:t>
+            </a:r>
+            <a:r>
+              <a:rPr lang="en-IN" dirty="0" smtClean="0"/>
+              <a:t>Market </a:t>
+            </a:r>
+            <a:r>
+              <a:rPr lang="en-IN" dirty="0" smtClean="0"/>
+              <a:t>Intelligence</a:t>
             </a:r>
             <a:endParaRPr lang="en-IN" dirty="0"/>
           </a:p>
@@ -6424,12 +6438,8 @@
           </a:p>
           <a:p>
             <a:r>
-              <a:rPr lang="en-IN" dirty="0" err="1" smtClean="0"/>
-              <a:t>He/She</a:t>
-            </a:r>
-            <a:r>
               <a:rPr lang="en-IN" dirty="0" smtClean="0"/>
-              <a:t> </a:t>
+              <a:t>She/he </a:t>
             </a:r>
             <a:r>
               <a:rPr lang="en-IN" dirty="0"/>
@@ -6632,7 +6642,6 @@
               <a:rPr lang="en-IN" dirty="0"/>
               <a:t>What is Structured/Semi-Structured/Unstructured Data?</a:t>
             </a:r>
-            <a:endParaRPr lang="en-IN" dirty="0"/>
           </a:p>
         </p:txBody>
       </p:sp>
@@ -6812,6 +6821,67 @@
     <p:extLst>
       <p:ext uri="{BB962C8B-B14F-4D97-AF65-F5344CB8AC3E}">
         <p14:creationId xmlns:p14="http://schemas.microsoft.com/office/powerpoint/2010/main" val="2374230500"/>
+      </p:ext>
+    </p:extLst>
+  </p:cSld>
+  <p:clrMapOvr>
+    <a:masterClrMapping/>
+  </p:clrMapOvr>
+</p:sld>
+</file>
+
+<file path=ppt/slides/slide6.xml><?xml version="1.0" encoding="utf-8"?>
+<p:sld xmlns:a="http://schemas.openxmlformats.org/drawingml/2006/main" xmlns:r="http://schemas.openxmlformats.org/officeDocument/2006/relationships" xmlns:p="http://schemas.openxmlformats.org/presentationml/2006/main">
+  <p:cSld>
+    <p:spTree>
+      <p:nvGrpSpPr>
+        <p:cNvPr id="1" name=""/>
+        <p:cNvGrpSpPr/>
+        <p:nvPr/>
+      </p:nvGrpSpPr>
+      <p:grpSpPr>
+        <a:xfrm>
+          <a:off x="0" y="0"/>
+          <a:ext cx="0" cy="0"/>
+          <a:chOff x="0" y="0"/>
+          <a:chExt cx="0" cy="0"/>
+        </a:xfrm>
+      </p:grpSpPr>
+      <p:sp>
+        <p:nvSpPr>
+          <p:cNvPr id="2" name="Title 1"/>
+          <p:cNvSpPr>
+            <a:spLocks noGrp="1"/>
+          </p:cNvSpPr>
+          <p:nvPr>
+            <p:ph type="title"/>
+          </p:nvPr>
+        </p:nvSpPr>
+        <p:spPr>
+          <a:xfrm>
+            <a:off x="848250" y="3010968"/>
+            <a:ext cx="8596668" cy="1320800"/>
+          </a:xfrm>
+        </p:spPr>
+        <p:txBody>
+          <a:bodyPr/>
+          <a:lstStyle/>
+          <a:p>
+            <a:r>
+              <a:rPr lang="en-IN" dirty="0" smtClean="0"/>
+              <a:t>Let’s begin with Regular Expressions!</a:t>
+            </a:r>
+            <a:br>
+              <a:rPr lang="en-IN" dirty="0" smtClean="0"/>
+            </a:br>
+            <a:endParaRPr lang="en-IN" dirty="0"/>
+          </a:p>
+        </p:txBody>
+      </p:sp>
+    </p:spTree>
+    <p:extLst>
+      <p:ext uri="{BB962C8B-B14F-4D97-AF65-F5344CB8AC3E}">
+        <p14:creationId xmlns:p14="http://schemas.microsoft.com/office/powerpoint/2010/main" val="891495904"/>
       </p:ext>
     </p:extLst>
   </p:cSld>

--- a/Regular Expressions.pptx
+++ b/Regular Expressions.pptx
@@ -5,15 +5,19 @@
     <p:sldMasterId id="2147483764" r:id="rId1"/>
   </p:sldMasterIdLst>
   <p:notesMasterIdLst>
-    <p:notesMasterId r:id="rId8"/>
+    <p:notesMasterId r:id="rId12"/>
   </p:notesMasterIdLst>
   <p:sldIdLst>
     <p:sldId id="256" r:id="rId2"/>
-    <p:sldId id="257" r:id="rId3"/>
-    <p:sldId id="259" r:id="rId4"/>
+    <p:sldId id="263" r:id="rId3"/>
+    <p:sldId id="264" r:id="rId4"/>
     <p:sldId id="260" r:id="rId5"/>
-    <p:sldId id="261" r:id="rId6"/>
-    <p:sldId id="262" r:id="rId7"/>
+    <p:sldId id="265" r:id="rId6"/>
+    <p:sldId id="261" r:id="rId7"/>
+    <p:sldId id="266" r:id="rId8"/>
+    <p:sldId id="257" r:id="rId9"/>
+    <p:sldId id="259" r:id="rId10"/>
+    <p:sldId id="262" r:id="rId11"/>
   </p:sldIdLst>
   <p:sldSz cx="12192000" cy="6858000"/>
   <p:notesSz cx="6858000" cy="9144000"/>
@@ -202,7 +206,7 @@
           <a:p>
             <a:fld id="{FFBE8961-E478-4D02-80EB-C702E8119F35}" type="datetimeFigureOut">
               <a:rPr lang="en-IN" smtClean="0"/>
-              <a:t>26-09-2018</a:t>
+              <a:t>22-12-2018</a:t>
             </a:fld>
             <a:endParaRPr lang="en-IN"/>
           </a:p>
@@ -535,7 +539,7 @@
           <a:p>
             <a:fld id="{A0D8053A-250A-4515-990D-5150FFECD9E0}" type="slidenum">
               <a:rPr lang="en-IN" smtClean="0"/>
-              <a:t>3</a:t>
+              <a:t>9</a:t>
             </a:fld>
             <a:endParaRPr lang="en-IN"/>
           </a:p>
@@ -1276,7 +1280,7 @@
           <a:p>
             <a:fld id="{9E6B641A-8A01-4775-AC7E-1E6A80E0A49B}" type="datetimeFigureOut">
               <a:rPr lang="en-IN" smtClean="0"/>
-              <a:t>26-09-2018</a:t>
+              <a:t>22-12-2018</a:t>
             </a:fld>
             <a:endParaRPr lang="en-IN"/>
           </a:p>
@@ -1527,7 +1531,7 @@
           <a:p>
             <a:fld id="{9E6B641A-8A01-4775-AC7E-1E6A80E0A49B}" type="datetimeFigureOut">
               <a:rPr lang="en-IN" smtClean="0"/>
-              <a:t>26-09-2018</a:t>
+              <a:t>22-12-2018</a:t>
             </a:fld>
             <a:endParaRPr lang="en-IN"/>
           </a:p>
@@ -1841,7 +1845,7 @@
           <a:p>
             <a:fld id="{9E6B641A-8A01-4775-AC7E-1E6A80E0A49B}" type="datetimeFigureOut">
               <a:rPr lang="en-IN" smtClean="0"/>
-              <a:t>26-09-2018</a:t>
+              <a:t>22-12-2018</a:t>
             </a:fld>
             <a:endParaRPr lang="en-IN"/>
           </a:p>
@@ -2182,7 +2186,7 @@
           <a:p>
             <a:fld id="{9E6B641A-8A01-4775-AC7E-1E6A80E0A49B}" type="datetimeFigureOut">
               <a:rPr lang="en-IN" smtClean="0"/>
-              <a:t>26-09-2018</a:t>
+              <a:t>22-12-2018</a:t>
             </a:fld>
             <a:endParaRPr lang="en-IN"/>
           </a:p>
@@ -2496,7 +2500,7 @@
           <a:p>
             <a:fld id="{9E6B641A-8A01-4775-AC7E-1E6A80E0A49B}" type="datetimeFigureOut">
               <a:rPr lang="en-IN" smtClean="0"/>
-              <a:t>26-09-2018</a:t>
+              <a:t>22-12-2018</a:t>
             </a:fld>
             <a:endParaRPr lang="en-IN"/>
           </a:p>
@@ -2889,7 +2893,7 @@
           <a:p>
             <a:fld id="{9E6B641A-8A01-4775-AC7E-1E6A80E0A49B}" type="datetimeFigureOut">
               <a:rPr lang="en-IN" smtClean="0"/>
-              <a:t>26-09-2018</a:t>
+              <a:t>22-12-2018</a:t>
             </a:fld>
             <a:endParaRPr lang="en-IN"/>
           </a:p>
@@ -3059,7 +3063,7 @@
           <a:p>
             <a:fld id="{9E6B641A-8A01-4775-AC7E-1E6A80E0A49B}" type="datetimeFigureOut">
               <a:rPr lang="en-IN" smtClean="0"/>
-              <a:t>26-09-2018</a:t>
+              <a:t>22-12-2018</a:t>
             </a:fld>
             <a:endParaRPr lang="en-IN"/>
           </a:p>
@@ -3239,7 +3243,7 @@
           <a:p>
             <a:fld id="{9E6B641A-8A01-4775-AC7E-1E6A80E0A49B}" type="datetimeFigureOut">
               <a:rPr lang="en-IN" smtClean="0"/>
-              <a:t>26-09-2018</a:t>
+              <a:t>22-12-2018</a:t>
             </a:fld>
             <a:endParaRPr lang="en-IN"/>
           </a:p>
@@ -3415,7 +3419,7 @@
           <a:p>
             <a:fld id="{9E6B641A-8A01-4775-AC7E-1E6A80E0A49B}" type="datetimeFigureOut">
               <a:rPr lang="en-IN" smtClean="0"/>
-              <a:t>26-09-2018</a:t>
+              <a:t>22-12-2018</a:t>
             </a:fld>
             <a:endParaRPr lang="en-IN"/>
           </a:p>
@@ -3662,7 +3666,7 @@
           <a:p>
             <a:fld id="{9E6B641A-8A01-4775-AC7E-1E6A80E0A49B}" type="datetimeFigureOut">
               <a:rPr lang="en-IN" smtClean="0"/>
-              <a:t>26-09-2018</a:t>
+              <a:t>22-12-2018</a:t>
             </a:fld>
             <a:endParaRPr lang="en-IN"/>
           </a:p>
@@ -3894,7 +3898,7 @@
           <a:p>
             <a:fld id="{9E6B641A-8A01-4775-AC7E-1E6A80E0A49B}" type="datetimeFigureOut">
               <a:rPr lang="en-IN" smtClean="0"/>
-              <a:t>26-09-2018</a:t>
+              <a:t>22-12-2018</a:t>
             </a:fld>
             <a:endParaRPr lang="en-IN"/>
           </a:p>
@@ -4268,7 +4272,7 @@
           <a:p>
             <a:fld id="{9E6B641A-8A01-4775-AC7E-1E6A80E0A49B}" type="datetimeFigureOut">
               <a:rPr lang="en-IN" smtClean="0"/>
-              <a:t>26-09-2018</a:t>
+              <a:t>22-12-2018</a:t>
             </a:fld>
             <a:endParaRPr lang="en-IN"/>
           </a:p>
@@ -4391,7 +4395,7 @@
           <a:p>
             <a:fld id="{9E6B641A-8A01-4775-AC7E-1E6A80E0A49B}" type="datetimeFigureOut">
               <a:rPr lang="en-IN" smtClean="0"/>
-              <a:t>26-09-2018</a:t>
+              <a:t>22-12-2018</a:t>
             </a:fld>
             <a:endParaRPr lang="en-IN"/>
           </a:p>
@@ -4486,7 +4490,7 @@
           <a:p>
             <a:fld id="{9E6B641A-8A01-4775-AC7E-1E6A80E0A49B}" type="datetimeFigureOut">
               <a:rPr lang="en-IN" smtClean="0"/>
-              <a:t>26-09-2018</a:t>
+              <a:t>22-12-2018</a:t>
             </a:fld>
             <a:endParaRPr lang="en-IN"/>
           </a:p>
@@ -4741,7 +4745,7 @@
           <a:p>
             <a:fld id="{9E6B641A-8A01-4775-AC7E-1E6A80E0A49B}" type="datetimeFigureOut">
               <a:rPr lang="en-IN" smtClean="0"/>
-              <a:t>26-09-2018</a:t>
+              <a:t>22-12-2018</a:t>
             </a:fld>
             <a:endParaRPr lang="en-IN"/>
           </a:p>
@@ -5004,7 +5008,7 @@
           <a:p>
             <a:fld id="{9E6B641A-8A01-4775-AC7E-1E6A80E0A49B}" type="datetimeFigureOut">
               <a:rPr lang="en-IN" smtClean="0"/>
-              <a:t>26-09-2018</a:t>
+              <a:t>22-12-2018</a:t>
             </a:fld>
             <a:endParaRPr lang="en-IN"/>
           </a:p>
@@ -5747,7 +5751,7 @@
           <a:p>
             <a:fld id="{9E6B641A-8A01-4775-AC7E-1E6A80E0A49B}" type="datetimeFigureOut">
               <a:rPr lang="en-IN" smtClean="0"/>
-              <a:t>26-09-2018</a:t>
+              <a:t>22-12-2018</a:t>
             </a:fld>
             <a:endParaRPr lang="en-IN"/>
           </a:p>
@@ -6288,7 +6292,15 @@
           <a:p>
             <a:r>
               <a:rPr lang="en-IN" dirty="0" smtClean="0"/>
-              <a:t>Regular Expressions</a:t>
+              <a:t>Extracting Data from PDFs using </a:t>
+            </a:r>
+            <a:r>
+              <a:rPr lang="en-IN" dirty="0" smtClean="0"/>
+              <a:t>Regular </a:t>
+            </a:r>
+            <a:r>
+              <a:rPr lang="en-IN" dirty="0" smtClean="0"/>
+              <a:t>Expressions</a:t>
             </a:r>
             <a:endParaRPr lang="en-IN" dirty="0"/>
           </a:p>
@@ -6304,9 +6316,16 @@
             <p:ph type="subTitle" idx="1"/>
           </p:nvPr>
         </p:nvSpPr>
-        <p:spPr/>
-        <p:txBody>
-          <a:bodyPr/>
+        <p:spPr>
+          <a:xfrm>
+            <a:off x="1507067" y="4050833"/>
+            <a:ext cx="8363326" cy="1521025"/>
+          </a:xfrm>
+        </p:spPr>
+        <p:txBody>
+          <a:bodyPr>
+            <a:normAutofit lnSpcReduction="10000"/>
+          </a:bodyPr>
           <a:lstStyle/>
           <a:p>
             <a:r>
@@ -6315,21 +6334,45 @@
             </a:r>
             <a:r>
               <a:rPr lang="en-IN" dirty="0" smtClean="0"/>
-              <a:t> Jain</a:t>
-            </a:r>
-          </a:p>
-          <a:p>
+              <a:t> </a:t>
+            </a:r>
             <a:r>
               <a:rPr lang="en-IN" dirty="0" smtClean="0"/>
-              <a:t>S&amp;P Global </a:t>
-            </a:r>
+              <a:t>Jain</a:t>
+            </a:r>
+          </a:p>
+          <a:p>
             <a:r>
               <a:rPr lang="en-IN" dirty="0" smtClean="0"/>
-              <a:t>Market </a:t>
-            </a:r>
+              <a:t>E-mail: </a:t>
+            </a:r>
+            <a:r>
+              <a:rPr lang="en-IN" dirty="0" smtClean="0">
+                <a:hlinkClick r:id="rId2"/>
+              </a:rPr>
+              <a:t>aakritijain96@gmail.com</a:t>
+            </a:r>
+            <a:endParaRPr lang="en-IN" dirty="0" smtClean="0"/>
+          </a:p>
+          <a:p>
+            <a:r>
+              <a:rPr lang="en-IN" dirty="0" err="1"/>
+              <a:t>Github:https</a:t>
+            </a:r>
+            <a:r>
+              <a:rPr lang="en-IN" dirty="0"/>
+              <a:t>://github.com/Aakriti23</a:t>
+            </a:r>
+            <a:endParaRPr lang="en-IN" dirty="0" smtClean="0"/>
+          </a:p>
+          <a:p>
             <a:r>
               <a:rPr lang="en-IN" dirty="0" smtClean="0"/>
-              <a:t>Intelligence</a:t>
+              <a:t>S&amp;P </a:t>
+            </a:r>
+            <a:r>
+              <a:rPr lang="en-IN" dirty="0" smtClean="0"/>
+              <a:t>Global Market Intelligence</a:t>
             </a:r>
             <a:endParaRPr lang="en-IN" dirty="0"/>
           </a:p>
@@ -6339,6 +6382,74 @@
     <p:extLst>
       <p:ext uri="{BB962C8B-B14F-4D97-AF65-F5344CB8AC3E}">
         <p14:creationId xmlns:p14="http://schemas.microsoft.com/office/powerpoint/2010/main" val="40449788"/>
+      </p:ext>
+    </p:extLst>
+  </p:cSld>
+  <p:clrMapOvr>
+    <a:masterClrMapping/>
+  </p:clrMapOvr>
+  <p:timing>
+    <p:tnLst>
+      <p:par>
+        <p:cTn id="1" dur="indefinite" restart="never" nodeType="tmRoot"/>
+      </p:par>
+    </p:tnLst>
+  </p:timing>
+</p:sld>
+</file>
+
+<file path=ppt/slides/slide10.xml><?xml version="1.0" encoding="utf-8"?>
+<p:sld xmlns:a="http://schemas.openxmlformats.org/drawingml/2006/main" xmlns:r="http://schemas.openxmlformats.org/officeDocument/2006/relationships" xmlns:p="http://schemas.openxmlformats.org/presentationml/2006/main">
+  <p:cSld>
+    <p:spTree>
+      <p:nvGrpSpPr>
+        <p:cNvPr id="1" name=""/>
+        <p:cNvGrpSpPr/>
+        <p:nvPr/>
+      </p:nvGrpSpPr>
+      <p:grpSpPr>
+        <a:xfrm>
+          <a:off x="0" y="0"/>
+          <a:ext cx="0" cy="0"/>
+          <a:chOff x="0" y="0"/>
+          <a:chExt cx="0" cy="0"/>
+        </a:xfrm>
+      </p:grpSpPr>
+      <p:sp>
+        <p:nvSpPr>
+          <p:cNvPr id="2" name="Title 1"/>
+          <p:cNvSpPr>
+            <a:spLocks noGrp="1"/>
+          </p:cNvSpPr>
+          <p:nvPr>
+            <p:ph type="title"/>
+          </p:nvPr>
+        </p:nvSpPr>
+        <p:spPr>
+          <a:xfrm>
+            <a:off x="848250" y="3010968"/>
+            <a:ext cx="8596668" cy="1320800"/>
+          </a:xfrm>
+        </p:spPr>
+        <p:txBody>
+          <a:bodyPr/>
+          <a:lstStyle/>
+          <a:p>
+            <a:r>
+              <a:rPr lang="en-IN" dirty="0" smtClean="0"/>
+              <a:t>Let’s begin with Regular Expressions!</a:t>
+            </a:r>
+            <a:br>
+              <a:rPr lang="en-IN" dirty="0" smtClean="0"/>
+            </a:br>
+            <a:endParaRPr lang="en-IN" dirty="0"/>
+          </a:p>
+        </p:txBody>
+      </p:sp>
+    </p:spTree>
+    <p:extLst>
+      <p:ext uri="{BB962C8B-B14F-4D97-AF65-F5344CB8AC3E}">
+        <p14:creationId xmlns:p14="http://schemas.microsoft.com/office/powerpoint/2010/main" val="891495904"/>
       </p:ext>
     </p:extLst>
   </p:cSld>
@@ -6382,7 +6493,7 @@
           <a:p>
             <a:r>
               <a:rPr lang="en-IN" dirty="0" smtClean="0"/>
-              <a:t>Problem Statement</a:t>
+              <a:t>What is Data Extraction?</a:t>
             </a:r>
             <a:endParaRPr lang="en-IN" dirty="0"/>
           </a:p>
@@ -6400,8 +6511,8 @@
         </p:nvSpPr>
         <p:spPr>
           <a:xfrm>
-            <a:off x="687695" y="1930400"/>
-            <a:ext cx="8596668" cy="3880773"/>
+            <a:off x="950798" y="1716207"/>
+            <a:ext cx="4843249" cy="4094932"/>
           </a:xfrm>
         </p:spPr>
         <p:txBody>
@@ -6409,66 +6520,104 @@
           <a:lstStyle/>
           <a:p>
             <a:r>
+              <a:rPr lang="en-IN" dirty="0" smtClean="0"/>
+              <a:t>Data Extraction is a process of digging data from an unstructured/semi-structured data source in order to process it further and/or to store it.</a:t>
+            </a:r>
+            <a:endParaRPr lang="en-IN" dirty="0"/>
+          </a:p>
+          <a:p>
+            <a:r>
+              <a:rPr lang="en-IN" dirty="0" smtClean="0"/>
+              <a:t>It involves analysing data and retrieving relevant information from different data sources. </a:t>
+            </a:r>
+          </a:p>
+          <a:p>
+            <a:r>
               <a:rPr lang="en-IN" dirty="0"/>
-              <a:t>We receive numerous bank letters pertaining to information about ADR/GDR (American Depository Receipts &amp; Global Depository Receipts) on a shared mailbox. </a:t>
-            </a:r>
-            <a:endParaRPr lang="en-IN" dirty="0" smtClean="0"/>
-          </a:p>
-          <a:p>
+              <a:t>Extracting data doesn’t just provide valuable information for </a:t>
+            </a:r>
             <a:r>
               <a:rPr lang="en-IN" dirty="0" smtClean="0"/>
-              <a:t>The </a:t>
+              <a:t>the </a:t>
             </a:r>
             <a:r>
               <a:rPr lang="en-IN" dirty="0"/>
-              <a:t>number of emails can be averaged out to 200 emails/week. </a:t>
-            </a:r>
-            <a:endParaRPr lang="en-IN" dirty="0" smtClean="0"/>
-          </a:p>
-          <a:p>
+              <a:t>business; it can </a:t>
+            </a:r>
             <a:r>
               <a:rPr lang="en-IN" dirty="0" smtClean="0"/>
-              <a:t>Researcher </a:t>
+              <a:t>also save an enormous amount of time, resources and money</a:t>
             </a:r>
             <a:r>
               <a:rPr lang="en-IN" dirty="0"/>
-              <a:t>manually goes to each email and downloads the PDF attachments. </a:t>
-            </a:r>
-            <a:endParaRPr lang="en-IN" dirty="0" smtClean="0"/>
-          </a:p>
-          <a:p>
+              <a:t> by automatically gathering the information </a:t>
+            </a:r>
             <a:r>
               <a:rPr lang="en-IN" dirty="0" smtClean="0"/>
-              <a:t>She/he </a:t>
-            </a:r>
-            <a:r>
-              <a:rPr lang="en-IN" dirty="0"/>
-              <a:t>then copies roughly 18 data fields from each PDF into an excel table which later gets </a:t>
-            </a:r>
-            <a:r>
-              <a:rPr lang="en-IN" dirty="0" smtClean="0"/>
-              <a:t>inserted </a:t>
-            </a:r>
-            <a:r>
-              <a:rPr lang="en-IN" dirty="0"/>
-              <a:t>into the tool.</a:t>
-            </a:r>
-          </a:p>
-          <a:p>
+              <a:t>required.</a:t>
+            </a:r>
             <a:endParaRPr lang="en-IN" dirty="0"/>
           </a:p>
         </p:txBody>
       </p:sp>
+      <p:pic>
+        <p:nvPicPr>
+          <p:cNvPr id="1026" name="Picture 2" descr="Image result for data extraction"/>
+          <p:cNvPicPr>
+            <a:picLocks noChangeAspect="1" noChangeArrowheads="1"/>
+          </p:cNvPicPr>
+          <p:nvPr/>
+        </p:nvPicPr>
+        <p:blipFill>
+          <a:blip r:embed="rId2">
+            <a:extLst>
+              <a:ext uri="{28A0092B-C50C-407E-A947-70E740481C1C}">
+                <a14:useLocalDpi xmlns:a14="http://schemas.microsoft.com/office/drawing/2010/main" val="0"/>
+              </a:ext>
+            </a:extLst>
+          </a:blip>
+          <a:srcRect/>
+          <a:stretch>
+            <a:fillRect/>
+          </a:stretch>
+        </p:blipFill>
+        <p:spPr bwMode="auto">
+          <a:xfrm>
+            <a:off x="6315342" y="1930400"/>
+            <a:ext cx="5388377" cy="3402400"/>
+          </a:xfrm>
+          <a:prstGeom prst="rect">
+            <a:avLst/>
+          </a:prstGeom>
+          <a:noFill/>
+          <a:extLst>
+            <a:ext uri="{909E8E84-426E-40DD-AFC4-6F175D3DCCD1}">
+              <a14:hiddenFill xmlns:a14="http://schemas.microsoft.com/office/drawing/2010/main">
+                <a:solidFill>
+                  <a:srgbClr val="FFFFFF"/>
+                </a:solidFill>
+              </a14:hiddenFill>
+            </a:ext>
+          </a:extLst>
+        </p:spPr>
+      </p:pic>
     </p:spTree>
     <p:extLst>
       <p:ext uri="{BB962C8B-B14F-4D97-AF65-F5344CB8AC3E}">
-        <p14:creationId xmlns:p14="http://schemas.microsoft.com/office/powerpoint/2010/main" val="3197280624"/>
+        <p14:creationId xmlns:p14="http://schemas.microsoft.com/office/powerpoint/2010/main" val="1692657138"/>
       </p:ext>
     </p:extLst>
   </p:cSld>
   <p:clrMapOvr>
     <a:masterClrMapping/>
   </p:clrMapOvr>
+  <p:timing>
+    <p:tnLst>
+      <p:par>
+        <p:cTn id="1" dur="indefinite" restart="never" nodeType="tmRoot"/>
+      </p:par>
+    </p:tnLst>
+  </p:timing>
 </p:sld>
 </file>
 
@@ -6505,20 +6654,9 @@
           <a:lstStyle/>
           <a:p>
             <a:r>
-              <a:rPr lang="en-IN" dirty="0"/>
-              <a:t>Cons of doing </a:t>
-            </a:r>
-            <a:r>
               <a:rPr lang="en-IN" dirty="0" smtClean="0"/>
-              <a:t>the work </a:t>
-            </a:r>
-            <a:r>
-              <a:rPr lang="en-IN" dirty="0"/>
-              <a:t>manually:</a:t>
-            </a:r>
-            <a:br>
-              <a:rPr lang="en-IN" dirty="0"/>
-            </a:br>
+              <a:t>Challenges faced during Data Extraction</a:t>
+            </a:r>
             <a:endParaRPr lang="en-IN" dirty="0"/>
           </a:p>
         </p:txBody>
@@ -6532,58 +6670,39 @@
           <p:nvPr>
             <p:ph idx="1"/>
           </p:nvPr>
-        </p:nvSpPr>
-        <p:spPr/>
-        <p:txBody>
-          <a:bodyPr/>
-          <a:lstStyle/>
-          <a:p>
-            <a:r>
-              <a:rPr lang="en-IN" dirty="0"/>
-              <a:t>1. Too many man-hours consumed.</a:t>
-            </a:r>
-          </a:p>
-          <a:p>
-            <a:r>
-              <a:rPr lang="en-IN" dirty="0"/>
-              <a:t>2. Copying sensitive information manually increases chances of error.</a:t>
-            </a:r>
-          </a:p>
-          <a:p>
-            <a:endParaRPr lang="en-IN" dirty="0"/>
-          </a:p>
-        </p:txBody>
-      </p:sp>
-      <p:sp>
-        <p:nvSpPr>
-          <p:cNvPr id="4" name="TextBox 3"/>
-          <p:cNvSpPr txBox="1"/>
-          <p:nvPr/>
         </p:nvSpPr>
         <p:spPr>
           <a:xfrm>
-            <a:off x="677334" y="4025069"/>
-            <a:ext cx="8124834" cy="646331"/>
+            <a:off x="677334" y="2357143"/>
+            <a:ext cx="6996789" cy="4094932"/>
           </a:xfrm>
-          <a:prstGeom prst="rect">
-            <a:avLst/>
-          </a:prstGeom>
-          <a:noFill/>
         </p:spPr>
         <p:txBody>
-          <a:bodyPr wrap="square" rtlCol="0">
-            <a:spAutoFit/>
-          </a:bodyPr>
+          <a:bodyPr/>
           <a:lstStyle/>
           <a:p>
             <a:r>
               <a:rPr lang="en-IN" dirty="0"/>
-              <a:t>We </a:t>
+              <a:t>There is no one platform that can extract data from any source in any format in any language. </a:t>
             </a:r>
             <a:r>
               <a:rPr lang="en-IN" dirty="0" smtClean="0"/>
-              <a:t>can use one Python library to make the extraction from documents easy and reduce manual efforts.</a:t>
-            </a:r>
+              <a:t>With irregularities in data, any algorithm will need to be updated timely.</a:t>
+            </a:r>
+          </a:p>
+          <a:p>
+            <a:endParaRPr lang="en-IN" dirty="0" smtClean="0"/>
+          </a:p>
+          <a:p>
+            <a:r>
+              <a:rPr lang="en-IN" dirty="0" smtClean="0"/>
+              <a:t>Change in the source formats can break our model and repairing the model results in downtime.</a:t>
+            </a:r>
+          </a:p>
+          <a:p>
+            <a:pPr marL="0" indent="0">
+              <a:buNone/>
+            </a:pPr>
             <a:endParaRPr lang="en-IN" dirty="0"/>
           </a:p>
         </p:txBody>
@@ -6591,7 +6710,7 @@
     </p:spTree>
     <p:extLst>
       <p:ext uri="{BB962C8B-B14F-4D97-AF65-F5344CB8AC3E}">
-        <p14:creationId xmlns:p14="http://schemas.microsoft.com/office/powerpoint/2010/main" val="934387727"/>
+        <p14:creationId xmlns:p14="http://schemas.microsoft.com/office/powerpoint/2010/main" val="3809011689"/>
       </p:ext>
     </p:extLst>
   </p:cSld>
@@ -6630,7 +6749,7 @@
         </p:nvSpPr>
         <p:spPr>
           <a:xfrm>
-            <a:off x="677334" y="908702"/>
+            <a:off x="1966041" y="421592"/>
             <a:ext cx="8596668" cy="1320800"/>
           </a:xfrm>
         </p:spPr>
@@ -6645,61 +6764,47 @@
           </a:p>
         </p:txBody>
       </p:sp>
-      <p:sp>
-        <p:nvSpPr>
-          <p:cNvPr id="3" name="Content Placeholder 2"/>
-          <p:cNvSpPr>
-            <a:spLocks noGrp="1"/>
-          </p:cNvSpPr>
-          <p:nvPr>
-            <p:ph idx="1"/>
-          </p:nvPr>
-        </p:nvSpPr>
-        <p:spPr>
+      <p:pic>
+        <p:nvPicPr>
+          <p:cNvPr id="2052" name="Picture 4" descr="Image result for semi structured data"/>
+          <p:cNvPicPr>
+            <a:picLocks noChangeAspect="1" noChangeArrowheads="1"/>
+          </p:cNvPicPr>
+          <p:nvPr/>
+        </p:nvPicPr>
+        <p:blipFill>
+          <a:blip r:embed="rId2">
+            <a:extLst>
+              <a:ext uri="{28A0092B-C50C-407E-A947-70E740481C1C}">
+                <a14:useLocalDpi xmlns:a14="http://schemas.microsoft.com/office/drawing/2010/main" val="0"/>
+              </a:ext>
+            </a:extLst>
+          </a:blip>
+          <a:srcRect/>
+          <a:stretch>
+            <a:fillRect/>
+          </a:stretch>
+        </p:blipFill>
+        <p:spPr bwMode="auto">
           <a:xfrm>
-            <a:off x="677334" y="2977227"/>
-            <a:ext cx="8596668" cy="3880773"/>
+            <a:off x="1966041" y="2290725"/>
+            <a:ext cx="6981825" cy="4171951"/>
           </a:xfrm>
+          <a:prstGeom prst="rect">
+            <a:avLst/>
+          </a:prstGeom>
+          <a:noFill/>
+          <a:extLst>
+            <a:ext uri="{909E8E84-426E-40DD-AFC4-6F175D3DCCD1}">
+              <a14:hiddenFill xmlns:a14="http://schemas.microsoft.com/office/drawing/2010/main">
+                <a:solidFill>
+                  <a:srgbClr val="FFFFFF"/>
+                </a:solidFill>
+              </a14:hiddenFill>
+            </a:ext>
+          </a:extLst>
         </p:spPr>
-        <p:txBody>
-          <a:bodyPr/>
-          <a:lstStyle/>
-          <a:p>
-            <a:r>
-              <a:rPr lang="en-IN" b="1" u="sng" dirty="0"/>
-              <a:t>Structured Data </a:t>
-            </a:r>
-            <a:r>
-              <a:rPr lang="en-IN" dirty="0"/>
-              <a:t>- Data stored in tables with rows and columns is called Structured Data. This data contains well-defined </a:t>
-            </a:r>
-            <a:r>
-              <a:rPr lang="en-IN" dirty="0" smtClean="0"/>
-              <a:t>data types </a:t>
-            </a:r>
-            <a:r>
-              <a:rPr lang="en-IN" dirty="0"/>
-              <a:t>and column headers that make it easier for machines as well as humans to read</a:t>
-            </a:r>
-            <a:r>
-              <a:rPr lang="en-IN" dirty="0" smtClean="0"/>
-              <a:t>.</a:t>
-            </a:r>
-          </a:p>
-          <a:p>
-            <a:r>
-              <a:rPr lang="en-IN" dirty="0"/>
-              <a:t>Common formats to store structured data - RDMS databases like SQL Database.</a:t>
-            </a:r>
-          </a:p>
-          <a:p>
-            <a:endParaRPr lang="en-IN" dirty="0"/>
-          </a:p>
-          <a:p>
-            <a:endParaRPr lang="en-IN" dirty="0"/>
-          </a:p>
-        </p:txBody>
-      </p:sp>
+      </p:pic>
     </p:spTree>
     <p:extLst>
       <p:ext uri="{BB962C8B-B14F-4D97-AF65-F5344CB8AC3E}">
@@ -6732,6 +6837,30 @@
       </p:grpSpPr>
       <p:sp>
         <p:nvSpPr>
+          <p:cNvPr id="2" name="Title 1"/>
+          <p:cNvSpPr>
+            <a:spLocks noGrp="1"/>
+          </p:cNvSpPr>
+          <p:nvPr>
+            <p:ph type="title"/>
+          </p:nvPr>
+        </p:nvSpPr>
+        <p:spPr/>
+        <p:txBody>
+          <a:bodyPr/>
+          <a:lstStyle/>
+          <a:p>
+            <a:pPr algn="ctr"/>
+            <a:r>
+              <a:rPr lang="en-IN" dirty="0" smtClean="0"/>
+              <a:t>Structured Data</a:t>
+            </a:r>
+            <a:endParaRPr lang="en-IN" dirty="0"/>
+          </a:p>
+        </p:txBody>
+      </p:sp>
+      <p:sp>
+        <p:nvSpPr>
           <p:cNvPr id="3" name="Content Placeholder 2"/>
           <p:cNvSpPr>
             <a:spLocks noGrp="1"/>
@@ -6742,8 +6871,8 @@
         </p:nvSpPr>
         <p:spPr>
           <a:xfrm>
-            <a:off x="660242" y="1032543"/>
-            <a:ext cx="8791407" cy="4881147"/>
+            <a:off x="677334" y="2211865"/>
+            <a:ext cx="4595421" cy="3770192"/>
           </a:xfrm>
         </p:spPr>
         <p:txBody>
@@ -6752,75 +6881,75 @@
           <a:p>
             <a:r>
               <a:rPr lang="en-IN" b="1" u="sng" dirty="0"/>
-              <a:t>Semi-Structured Data</a:t>
+              <a:t>Structured Data </a:t>
             </a:r>
             <a:r>
               <a:rPr lang="en-IN" dirty="0"/>
-              <a:t> - Information doesn’t reside in a relational database but it does have some organizational properties that make it easier to </a:t>
-            </a:r>
-            <a:r>
-              <a:rPr lang="en-IN" dirty="0" err="1"/>
-              <a:t>analyze</a:t>
-            </a:r>
-            <a:r>
-              <a:rPr lang="en-IN" dirty="0" smtClean="0"/>
-              <a:t>.</a:t>
-            </a:r>
+              <a:t>- Data stored in tables with rows and columns is called Structured Data. This data contains well-defined data types and column headers that make it easier for machines as well as humans to read.</a:t>
+            </a:r>
+          </a:p>
+          <a:p>
+            <a:r>
+              <a:rPr lang="en-IN" dirty="0"/>
+              <a:t>Common formats to store structured data - RDMS databases like SQL Database.</a:t>
+            </a:r>
+          </a:p>
+          <a:p>
             <a:endParaRPr lang="en-IN" dirty="0"/>
           </a:p>
           <a:p>
-            <a:r>
-              <a:rPr lang="en-IN" dirty="0"/>
-              <a:t>Common formats to store semi-structured data - XML, JSON, CSV etc</a:t>
-            </a:r>
-            <a:r>
-              <a:rPr lang="en-IN" dirty="0" smtClean="0"/>
-              <a:t>.</a:t>
-            </a:r>
-          </a:p>
-          <a:p>
-            <a:endParaRPr lang="en-IN" dirty="0" smtClean="0"/>
-          </a:p>
-          <a:p>
             <a:endParaRPr lang="en-IN" dirty="0"/>
           </a:p>
           <a:p>
             <a:endParaRPr lang="en-IN" dirty="0"/>
           </a:p>
-          <a:p>
-            <a:pPr algn="just"/>
-            <a:r>
-              <a:rPr lang="en-IN" b="1" u="sng" dirty="0"/>
-              <a:t>Unstructured Data </a:t>
-            </a:r>
-            <a:r>
-              <a:rPr lang="en-IN" dirty="0"/>
-              <a:t>- This might/might not have internal structure but is not structured via pre-defined data models or schema. It may be textual or non-textual, and human- or machine-generated</a:t>
-            </a:r>
-            <a:r>
-              <a:rPr lang="en-IN" dirty="0" smtClean="0"/>
-              <a:t>.</a:t>
-            </a:r>
-            <a:endParaRPr lang="en-IN" dirty="0"/>
-          </a:p>
-          <a:p>
-            <a:r>
-              <a:rPr lang="en-IN" dirty="0"/>
-              <a:t>Typical unstructured data includes - Text files (Word documents, PDFs, .txt files), Email body, Social Media (Facebook, Twitter, etc.)</a:t>
-            </a:r>
-          </a:p>
-          <a:p>
-            <a:endParaRPr lang="en-IN" dirty="0"/>
-          </a:p>
-          <a:p>
-            <a:endParaRPr lang="en-IN" dirty="0"/>
-          </a:p>
-        </p:txBody>
-      </p:sp>
+        </p:txBody>
+      </p:sp>
+      <p:pic>
+        <p:nvPicPr>
+          <p:cNvPr id="4" name="Picture 2" descr="Image result for structured data"/>
+          <p:cNvPicPr>
+            <a:picLocks noChangeAspect="1" noChangeArrowheads="1"/>
+          </p:cNvPicPr>
+          <p:nvPr/>
+        </p:nvPicPr>
+        <p:blipFill>
+          <a:blip r:embed="rId2">
+            <a:extLst>
+              <a:ext uri="{28A0092B-C50C-407E-A947-70E740481C1C}">
+                <a14:useLocalDpi xmlns:a14="http://schemas.microsoft.com/office/drawing/2010/main" val="0"/>
+              </a:ext>
+            </a:extLst>
+          </a:blip>
+          <a:srcRect/>
+          <a:stretch>
+            <a:fillRect/>
+          </a:stretch>
+        </p:blipFill>
+        <p:spPr bwMode="auto">
+          <a:xfrm>
+            <a:off x="5716246" y="1733847"/>
+            <a:ext cx="4552950" cy="4362451"/>
+          </a:xfrm>
+          <a:prstGeom prst="rect">
+            <a:avLst/>
+          </a:prstGeom>
+          <a:noFill/>
+          <a:extLst>
+            <a:ext uri="{909E8E84-426E-40DD-AFC4-6F175D3DCCD1}">
+              <a14:hiddenFill xmlns:a14="http://schemas.microsoft.com/office/drawing/2010/main">
+                <a:solidFill>
+                  <a:srgbClr val="FFFFFF"/>
+                </a:solidFill>
+              </a14:hiddenFill>
+            </a:ext>
+          </a:extLst>
+        </p:spPr>
+      </p:pic>
     </p:spTree>
     <p:extLst>
       <p:ext uri="{BB962C8B-B14F-4D97-AF65-F5344CB8AC3E}">
-        <p14:creationId xmlns:p14="http://schemas.microsoft.com/office/powerpoint/2010/main" val="2374230500"/>
+        <p14:creationId xmlns:p14="http://schemas.microsoft.com/office/powerpoint/2010/main" val="730051156"/>
       </p:ext>
     </p:extLst>
   </p:cSld>
@@ -6849,17 +6978,119 @@
       </p:grpSpPr>
       <p:sp>
         <p:nvSpPr>
-          <p:cNvPr id="2" name="Title 1"/>
-          <p:cNvSpPr>
-            <a:spLocks noGrp="1"/>
-          </p:cNvSpPr>
-          <p:nvPr>
-            <p:ph type="title"/>
+          <p:cNvPr id="3" name="Content Placeholder 2"/>
+          <p:cNvSpPr>
+            <a:spLocks noGrp="1"/>
+          </p:cNvSpPr>
+          <p:nvPr>
+            <p:ph idx="1"/>
           </p:nvPr>
         </p:nvSpPr>
         <p:spPr>
           <a:xfrm>
-            <a:off x="848250" y="3010968"/>
+            <a:off x="430398" y="1209775"/>
+            <a:ext cx="9090508" cy="3966747"/>
+          </a:xfrm>
+        </p:spPr>
+        <p:txBody>
+          <a:bodyPr>
+            <a:normAutofit/>
+          </a:bodyPr>
+          <a:lstStyle/>
+          <a:p>
+            <a:r>
+              <a:rPr lang="en-IN" b="1" u="sng" dirty="0"/>
+              <a:t>Semi-Structured Data</a:t>
+            </a:r>
+            <a:r>
+              <a:rPr lang="en-IN" dirty="0"/>
+              <a:t> - Information doesn’t reside in a relational database but it does have some organizational properties that make it easier to </a:t>
+            </a:r>
+            <a:r>
+              <a:rPr lang="en-IN" dirty="0" err="1"/>
+              <a:t>analyze</a:t>
+            </a:r>
+            <a:r>
+              <a:rPr lang="en-IN" dirty="0" smtClean="0"/>
+              <a:t>.</a:t>
+            </a:r>
+            <a:endParaRPr lang="en-IN" dirty="0"/>
+          </a:p>
+          <a:p>
+            <a:r>
+              <a:rPr lang="en-IN" dirty="0"/>
+              <a:t>Common formats to store semi-structured data - XML, JSON, CSV etc</a:t>
+            </a:r>
+            <a:r>
+              <a:rPr lang="en-IN" dirty="0" smtClean="0"/>
+              <a:t>.</a:t>
+            </a:r>
+          </a:p>
+          <a:p>
+            <a:endParaRPr lang="en-IN" dirty="0" smtClean="0"/>
+          </a:p>
+          <a:p>
+            <a:endParaRPr lang="en-IN" dirty="0"/>
+          </a:p>
+          <a:p>
+            <a:endParaRPr lang="en-IN" dirty="0"/>
+          </a:p>
+        </p:txBody>
+      </p:sp>
+      <p:pic>
+        <p:nvPicPr>
+          <p:cNvPr id="3074" name="Picture 2" descr="Image result for semi structured data image"/>
+          <p:cNvPicPr>
+            <a:picLocks noChangeAspect="1" noChangeArrowheads="1"/>
+          </p:cNvPicPr>
+          <p:nvPr/>
+        </p:nvPicPr>
+        <p:blipFill>
+          <a:blip r:embed="rId2">
+            <a:extLst>
+              <a:ext uri="{28A0092B-C50C-407E-A947-70E740481C1C}">
+                <a14:useLocalDpi xmlns:a14="http://schemas.microsoft.com/office/drawing/2010/main" val="0"/>
+              </a:ext>
+            </a:extLst>
+          </a:blip>
+          <a:srcRect/>
+          <a:stretch>
+            <a:fillRect/>
+          </a:stretch>
+        </p:blipFill>
+        <p:spPr bwMode="auto">
+          <a:xfrm>
+            <a:off x="1877372" y="2214260"/>
+            <a:ext cx="5254948" cy="3945330"/>
+          </a:xfrm>
+          <a:prstGeom prst="rect">
+            <a:avLst/>
+          </a:prstGeom>
+          <a:noFill/>
+          <a:extLst>
+            <a:ext uri="{909E8E84-426E-40DD-AFC4-6F175D3DCCD1}">
+              <a14:hiddenFill xmlns:a14="http://schemas.microsoft.com/office/drawing/2010/main">
+                <a:solidFill>
+                  <a:srgbClr val="FFFFFF"/>
+                </a:solidFill>
+              </a14:hiddenFill>
+            </a:ext>
+          </a:extLst>
+        </p:spPr>
+      </p:pic>
+      <p:sp>
+        <p:nvSpPr>
+          <p:cNvPr id="4" name="Title 1"/>
+          <p:cNvSpPr>
+            <a:spLocks noGrp="1"/>
+          </p:cNvSpPr>
+          <p:nvPr>
+            <p:ph type="title"/>
+          </p:nvPr>
+        </p:nvSpPr>
+        <p:spPr>
+          <a:xfrm>
+            <a:off x="617513" y="276314"/>
             <a:ext cx="8596668" cy="1320800"/>
           </a:xfrm>
         </p:spPr>
@@ -6867,13 +7098,11 @@
           <a:bodyPr/>
           <a:lstStyle/>
           <a:p>
+            <a:pPr algn="ctr"/>
             <a:r>
               <a:rPr lang="en-IN" dirty="0" smtClean="0"/>
-              <a:t>Let’s begin with Regular Expressions!</a:t>
-            </a:r>
-            <a:br>
-              <a:rPr lang="en-IN" dirty="0" smtClean="0"/>
-            </a:br>
+              <a:t>Semi-structured Data</a:t>
+            </a:r>
             <a:endParaRPr lang="en-IN" dirty="0"/>
           </a:p>
         </p:txBody>
@@ -6881,7 +7110,402 @@
     </p:spTree>
     <p:extLst>
       <p:ext uri="{BB962C8B-B14F-4D97-AF65-F5344CB8AC3E}">
-        <p14:creationId xmlns:p14="http://schemas.microsoft.com/office/powerpoint/2010/main" val="891495904"/>
+        <p14:creationId xmlns:p14="http://schemas.microsoft.com/office/powerpoint/2010/main" val="2374230500"/>
+      </p:ext>
+    </p:extLst>
+  </p:cSld>
+  <p:clrMapOvr>
+    <a:masterClrMapping/>
+  </p:clrMapOvr>
+</p:sld>
+</file>
+
+<file path=ppt/slides/slide7.xml><?xml version="1.0" encoding="utf-8"?>
+<p:sld xmlns:a="http://schemas.openxmlformats.org/drawingml/2006/main" xmlns:r="http://schemas.openxmlformats.org/officeDocument/2006/relationships" xmlns:p="http://schemas.openxmlformats.org/presentationml/2006/main">
+  <p:cSld>
+    <p:spTree>
+      <p:nvGrpSpPr>
+        <p:cNvPr id="1" name=""/>
+        <p:cNvGrpSpPr/>
+        <p:nvPr/>
+      </p:nvGrpSpPr>
+      <p:grpSpPr>
+        <a:xfrm>
+          <a:off x="0" y="0"/>
+          <a:ext cx="0" cy="0"/>
+          <a:chOff x="0" y="0"/>
+          <a:chExt cx="0" cy="0"/>
+        </a:xfrm>
+      </p:grpSpPr>
+      <p:sp>
+        <p:nvSpPr>
+          <p:cNvPr id="2" name="Title 1"/>
+          <p:cNvSpPr>
+            <a:spLocks noGrp="1"/>
+          </p:cNvSpPr>
+          <p:nvPr>
+            <p:ph type="title"/>
+          </p:nvPr>
+        </p:nvSpPr>
+        <p:spPr/>
+        <p:txBody>
+          <a:bodyPr/>
+          <a:lstStyle/>
+          <a:p>
+            <a:pPr algn="ctr"/>
+            <a:r>
+              <a:rPr lang="en-IN" dirty="0" smtClean="0"/>
+              <a:t>Unstructured Data</a:t>
+            </a:r>
+            <a:endParaRPr lang="en-IN" dirty="0"/>
+          </a:p>
+        </p:txBody>
+      </p:sp>
+      <p:sp>
+        <p:nvSpPr>
+          <p:cNvPr id="3" name="Content Placeholder 2"/>
+          <p:cNvSpPr>
+            <a:spLocks noGrp="1"/>
+          </p:cNvSpPr>
+          <p:nvPr>
+            <p:ph idx="1"/>
+          </p:nvPr>
+        </p:nvSpPr>
+        <p:spPr>
+          <a:xfrm>
+            <a:off x="220133" y="1952453"/>
+            <a:ext cx="6028268" cy="4104744"/>
+          </a:xfrm>
+        </p:spPr>
+        <p:txBody>
+          <a:bodyPr/>
+          <a:lstStyle/>
+          <a:p>
+            <a:endParaRPr lang="en-IN" dirty="0"/>
+          </a:p>
+          <a:p>
+            <a:pPr algn="just"/>
+            <a:r>
+              <a:rPr lang="en-IN" dirty="0" smtClean="0"/>
+              <a:t>This </a:t>
+            </a:r>
+            <a:r>
+              <a:rPr lang="en-IN" dirty="0"/>
+              <a:t>might/might not have internal structure but is not structured via pre-defined data models or schema. It may be textual or non-textual, and human- or machine-generated.</a:t>
+            </a:r>
+          </a:p>
+          <a:p>
+            <a:r>
+              <a:rPr lang="en-IN" dirty="0"/>
+              <a:t>Typical unstructured data includes - Text files (Word documents, PDFs, .txt files), Email body, Social Media (Facebook, Twitter, etc.)</a:t>
+            </a:r>
+          </a:p>
+          <a:p>
+            <a:endParaRPr lang="en-IN" dirty="0"/>
+          </a:p>
+          <a:p>
+            <a:endParaRPr lang="en-IN" dirty="0"/>
+          </a:p>
+        </p:txBody>
+      </p:sp>
+      <p:pic>
+        <p:nvPicPr>
+          <p:cNvPr id="5122" name="Picture 2" descr="Image result for unstructured data"/>
+          <p:cNvPicPr>
+            <a:picLocks noChangeAspect="1" noChangeArrowheads="1"/>
+          </p:cNvPicPr>
+          <p:nvPr/>
+        </p:nvPicPr>
+        <p:blipFill>
+          <a:blip r:embed="rId2" cstate="print">
+            <a:extLst>
+              <a:ext uri="{28A0092B-C50C-407E-A947-70E740481C1C}">
+                <a14:useLocalDpi xmlns:a14="http://schemas.microsoft.com/office/drawing/2010/main" val="0"/>
+              </a:ext>
+            </a:extLst>
+          </a:blip>
+          <a:srcRect/>
+          <a:stretch>
+            <a:fillRect/>
+          </a:stretch>
+        </p:blipFill>
+        <p:spPr bwMode="auto">
+          <a:xfrm>
+            <a:off x="7018562" y="1930400"/>
+            <a:ext cx="4373747" cy="4088909"/>
+          </a:xfrm>
+          <a:prstGeom prst="rect">
+            <a:avLst/>
+          </a:prstGeom>
+          <a:noFill/>
+          <a:extLst>
+            <a:ext uri="{909E8E84-426E-40DD-AFC4-6F175D3DCCD1}">
+              <a14:hiddenFill xmlns:a14="http://schemas.microsoft.com/office/drawing/2010/main">
+                <a:solidFill>
+                  <a:srgbClr val="FFFFFF"/>
+                </a:solidFill>
+              </a14:hiddenFill>
+            </a:ext>
+          </a:extLst>
+        </p:spPr>
+      </p:pic>
+    </p:spTree>
+    <p:extLst>
+      <p:ext uri="{BB962C8B-B14F-4D97-AF65-F5344CB8AC3E}">
+        <p14:creationId xmlns:p14="http://schemas.microsoft.com/office/powerpoint/2010/main" val="1227097809"/>
+      </p:ext>
+    </p:extLst>
+  </p:cSld>
+  <p:clrMapOvr>
+    <a:masterClrMapping/>
+  </p:clrMapOvr>
+</p:sld>
+</file>
+
+<file path=ppt/slides/slide8.xml><?xml version="1.0" encoding="utf-8"?>
+<p:sld xmlns:a="http://schemas.openxmlformats.org/drawingml/2006/main" xmlns:r="http://schemas.openxmlformats.org/officeDocument/2006/relationships" xmlns:p="http://schemas.openxmlformats.org/presentationml/2006/main">
+  <p:cSld>
+    <p:spTree>
+      <p:nvGrpSpPr>
+        <p:cNvPr id="1" name=""/>
+        <p:cNvGrpSpPr/>
+        <p:nvPr/>
+      </p:nvGrpSpPr>
+      <p:grpSpPr>
+        <a:xfrm>
+          <a:off x="0" y="0"/>
+          <a:ext cx="0" cy="0"/>
+          <a:chOff x="0" y="0"/>
+          <a:chExt cx="0" cy="0"/>
+        </a:xfrm>
+      </p:grpSpPr>
+      <p:sp>
+        <p:nvSpPr>
+          <p:cNvPr id="2" name="Title 1"/>
+          <p:cNvSpPr>
+            <a:spLocks noGrp="1"/>
+          </p:cNvSpPr>
+          <p:nvPr>
+            <p:ph type="title"/>
+          </p:nvPr>
+        </p:nvSpPr>
+        <p:spPr/>
+        <p:txBody>
+          <a:bodyPr/>
+          <a:lstStyle/>
+          <a:p>
+            <a:r>
+              <a:rPr lang="en-IN" dirty="0" smtClean="0"/>
+              <a:t>Problem Statement</a:t>
+            </a:r>
+            <a:endParaRPr lang="en-IN" dirty="0"/>
+          </a:p>
+        </p:txBody>
+      </p:sp>
+      <p:sp>
+        <p:nvSpPr>
+          <p:cNvPr id="3" name="Content Placeholder 2"/>
+          <p:cNvSpPr>
+            <a:spLocks noGrp="1"/>
+          </p:cNvSpPr>
+          <p:nvPr>
+            <p:ph idx="1"/>
+          </p:nvPr>
+        </p:nvSpPr>
+        <p:spPr>
+          <a:xfrm>
+            <a:off x="687695" y="1930400"/>
+            <a:ext cx="8596668" cy="3880773"/>
+          </a:xfrm>
+        </p:spPr>
+        <p:txBody>
+          <a:bodyPr/>
+          <a:lstStyle/>
+          <a:p>
+            <a:r>
+              <a:rPr lang="en-IN" dirty="0"/>
+              <a:t>We receive numerous bank letters pertaining to information about ADR/GDR (American Depository Receipts &amp; Global Depository Receipts) on a shared mailbox. </a:t>
+            </a:r>
+            <a:endParaRPr lang="en-IN" dirty="0" smtClean="0"/>
+          </a:p>
+          <a:p>
+            <a:r>
+              <a:rPr lang="en-IN" dirty="0" smtClean="0"/>
+              <a:t>The </a:t>
+            </a:r>
+            <a:r>
+              <a:rPr lang="en-IN" dirty="0"/>
+              <a:t>number of emails can be averaged out to 200 emails/week. </a:t>
+            </a:r>
+            <a:endParaRPr lang="en-IN" dirty="0" smtClean="0"/>
+          </a:p>
+          <a:p>
+            <a:r>
+              <a:rPr lang="en-IN" dirty="0" smtClean="0"/>
+              <a:t>Researcher </a:t>
+            </a:r>
+            <a:r>
+              <a:rPr lang="en-IN" dirty="0"/>
+              <a:t>manually goes to each email and downloads the PDF attachments. </a:t>
+            </a:r>
+            <a:endParaRPr lang="en-IN" dirty="0" smtClean="0"/>
+          </a:p>
+          <a:p>
+            <a:r>
+              <a:rPr lang="en-IN" dirty="0" smtClean="0"/>
+              <a:t>She/he </a:t>
+            </a:r>
+            <a:r>
+              <a:rPr lang="en-IN" dirty="0"/>
+              <a:t>then copies roughly 18 data fields from each PDF into an excel table which later gets </a:t>
+            </a:r>
+            <a:r>
+              <a:rPr lang="en-IN" dirty="0" smtClean="0"/>
+              <a:t>inserted </a:t>
+            </a:r>
+            <a:r>
+              <a:rPr lang="en-IN" dirty="0"/>
+              <a:t>into the tool.</a:t>
+            </a:r>
+          </a:p>
+          <a:p>
+            <a:endParaRPr lang="en-IN" dirty="0"/>
+          </a:p>
+        </p:txBody>
+      </p:sp>
+    </p:spTree>
+    <p:extLst>
+      <p:ext uri="{BB962C8B-B14F-4D97-AF65-F5344CB8AC3E}">
+        <p14:creationId xmlns:p14="http://schemas.microsoft.com/office/powerpoint/2010/main" val="3197280624"/>
+      </p:ext>
+    </p:extLst>
+  </p:cSld>
+  <p:clrMapOvr>
+    <a:masterClrMapping/>
+  </p:clrMapOvr>
+</p:sld>
+</file>
+
+<file path=ppt/slides/slide9.xml><?xml version="1.0" encoding="utf-8"?>
+<p:sld xmlns:a="http://schemas.openxmlformats.org/drawingml/2006/main" xmlns:r="http://schemas.openxmlformats.org/officeDocument/2006/relationships" xmlns:p="http://schemas.openxmlformats.org/presentationml/2006/main">
+  <p:cSld>
+    <p:spTree>
+      <p:nvGrpSpPr>
+        <p:cNvPr id="1" name=""/>
+        <p:cNvGrpSpPr/>
+        <p:nvPr/>
+      </p:nvGrpSpPr>
+      <p:grpSpPr>
+        <a:xfrm>
+          <a:off x="0" y="0"/>
+          <a:ext cx="0" cy="0"/>
+          <a:chOff x="0" y="0"/>
+          <a:chExt cx="0" cy="0"/>
+        </a:xfrm>
+      </p:grpSpPr>
+      <p:sp>
+        <p:nvSpPr>
+          <p:cNvPr id="2" name="Title 1"/>
+          <p:cNvSpPr>
+            <a:spLocks noGrp="1"/>
+          </p:cNvSpPr>
+          <p:nvPr>
+            <p:ph type="title"/>
+          </p:nvPr>
+        </p:nvSpPr>
+        <p:spPr/>
+        <p:txBody>
+          <a:bodyPr/>
+          <a:lstStyle/>
+          <a:p>
+            <a:r>
+              <a:rPr lang="en-IN" dirty="0"/>
+              <a:t>Cons of doing </a:t>
+            </a:r>
+            <a:r>
+              <a:rPr lang="en-IN" dirty="0" smtClean="0"/>
+              <a:t>the work </a:t>
+            </a:r>
+            <a:r>
+              <a:rPr lang="en-IN" dirty="0"/>
+              <a:t>manually:</a:t>
+            </a:r>
+            <a:br>
+              <a:rPr lang="en-IN" dirty="0"/>
+            </a:br>
+            <a:endParaRPr lang="en-IN" dirty="0"/>
+          </a:p>
+        </p:txBody>
+      </p:sp>
+      <p:sp>
+        <p:nvSpPr>
+          <p:cNvPr id="3" name="Content Placeholder 2"/>
+          <p:cNvSpPr>
+            <a:spLocks noGrp="1"/>
+          </p:cNvSpPr>
+          <p:nvPr>
+            <p:ph idx="1"/>
+          </p:nvPr>
+        </p:nvSpPr>
+        <p:spPr/>
+        <p:txBody>
+          <a:bodyPr/>
+          <a:lstStyle/>
+          <a:p>
+            <a:r>
+              <a:rPr lang="en-IN" dirty="0"/>
+              <a:t>1. Too many man-hours consumed.</a:t>
+            </a:r>
+          </a:p>
+          <a:p>
+            <a:r>
+              <a:rPr lang="en-IN" dirty="0"/>
+              <a:t>2. Copying sensitive information manually increases chances of error.</a:t>
+            </a:r>
+          </a:p>
+          <a:p>
+            <a:endParaRPr lang="en-IN" dirty="0"/>
+          </a:p>
+        </p:txBody>
+      </p:sp>
+      <p:sp>
+        <p:nvSpPr>
+          <p:cNvPr id="4" name="TextBox 3"/>
+          <p:cNvSpPr txBox="1"/>
+          <p:nvPr/>
+        </p:nvSpPr>
+        <p:spPr>
+          <a:xfrm>
+            <a:off x="677334" y="4025069"/>
+            <a:ext cx="8124834" cy="646331"/>
+          </a:xfrm>
+          <a:prstGeom prst="rect">
+            <a:avLst/>
+          </a:prstGeom>
+          <a:noFill/>
+        </p:spPr>
+        <p:txBody>
+          <a:bodyPr wrap="square" rtlCol="0">
+            <a:spAutoFit/>
+          </a:bodyPr>
+          <a:lstStyle/>
+          <a:p>
+            <a:r>
+              <a:rPr lang="en-IN" dirty="0"/>
+              <a:t>We </a:t>
+            </a:r>
+            <a:r>
+              <a:rPr lang="en-IN" dirty="0" smtClean="0"/>
+              <a:t>can use one Python library to make the extraction from documents easy and reduce manual efforts.</a:t>
+            </a:r>
+            <a:endParaRPr lang="en-IN" dirty="0"/>
+          </a:p>
+        </p:txBody>
+      </p:sp>
+    </p:spTree>
+    <p:extLst>
+      <p:ext uri="{BB962C8B-B14F-4D97-AF65-F5344CB8AC3E}">
+        <p14:creationId xmlns:p14="http://schemas.microsoft.com/office/powerpoint/2010/main" val="934387727"/>
       </p:ext>
     </p:extLst>
   </p:cSld>
